--- a/ML_DL_Balazs/Lec_Notes/note_Stock_Finance.pptx
+++ b/ML_DL_Balazs/Lec_Notes/note_Stock_Finance.pptx
@@ -9,7 +9,6 @@
     <p:sldId id="257" r:id="rId3"/>
     <p:sldId id="258" r:id="rId4"/>
     <p:sldId id="259" r:id="rId5"/>
-    <p:sldId id="260" r:id="rId6"/>
   </p:sldIdLst>
   <p:sldSz cx="12192000" cy="6858000"/>
   <p:notesSz cx="6858000" cy="9144000"/>
@@ -108,6 +107,11 @@
       </a:defRPr>
     </a:lvl9pPr>
   </p:defaultTextStyle>
+  <p:extLst>
+    <p:ext uri="{EFAFB233-063F-42B5-8137-9DF3F51BA10A}">
+      <p15:sldGuideLst xmlns:p15="http://schemas.microsoft.com/office/powerpoint/2012/main"/>
+    </p:ext>
+  </p:extLst>
 </p:presentation>
 </file>
 
@@ -258,7 +262,7 @@
           <a:p>
             <a:fld id="{617CF90F-2403-4C4E-9E74-BA152CDD151E}" type="datetimeFigureOut">
               <a:rPr lang="ko-KR" altLang="en-US" smtClean="0"/>
-              <a:t>2018-07-30</a:t>
+              <a:t>2018-08-02</a:t>
             </a:fld>
             <a:endParaRPr lang="ko-KR" altLang="en-US"/>
           </a:p>
@@ -456,7 +460,7 @@
           <a:p>
             <a:fld id="{617CF90F-2403-4C4E-9E74-BA152CDD151E}" type="datetimeFigureOut">
               <a:rPr lang="ko-KR" altLang="en-US" smtClean="0"/>
-              <a:t>2018-07-30</a:t>
+              <a:t>2018-08-02</a:t>
             </a:fld>
             <a:endParaRPr lang="ko-KR" altLang="en-US"/>
           </a:p>
@@ -664,7 +668,7 @@
           <a:p>
             <a:fld id="{617CF90F-2403-4C4E-9E74-BA152CDD151E}" type="datetimeFigureOut">
               <a:rPr lang="ko-KR" altLang="en-US" smtClean="0"/>
-              <a:t>2018-07-30</a:t>
+              <a:t>2018-08-02</a:t>
             </a:fld>
             <a:endParaRPr lang="ko-KR" altLang="en-US"/>
           </a:p>
@@ -862,7 +866,7 @@
           <a:p>
             <a:fld id="{617CF90F-2403-4C4E-9E74-BA152CDD151E}" type="datetimeFigureOut">
               <a:rPr lang="ko-KR" altLang="en-US" smtClean="0"/>
-              <a:t>2018-07-30</a:t>
+              <a:t>2018-08-02</a:t>
             </a:fld>
             <a:endParaRPr lang="ko-KR" altLang="en-US"/>
           </a:p>
@@ -1137,7 +1141,7 @@
           <a:p>
             <a:fld id="{617CF90F-2403-4C4E-9E74-BA152CDD151E}" type="datetimeFigureOut">
               <a:rPr lang="ko-KR" altLang="en-US" smtClean="0"/>
-              <a:t>2018-07-30</a:t>
+              <a:t>2018-08-02</a:t>
             </a:fld>
             <a:endParaRPr lang="ko-KR" altLang="en-US"/>
           </a:p>
@@ -1402,7 +1406,7 @@
           <a:p>
             <a:fld id="{617CF90F-2403-4C4E-9E74-BA152CDD151E}" type="datetimeFigureOut">
               <a:rPr lang="ko-KR" altLang="en-US" smtClean="0"/>
-              <a:t>2018-07-30</a:t>
+              <a:t>2018-08-02</a:t>
             </a:fld>
             <a:endParaRPr lang="ko-KR" altLang="en-US"/>
           </a:p>
@@ -1814,7 +1818,7 @@
           <a:p>
             <a:fld id="{617CF90F-2403-4C4E-9E74-BA152CDD151E}" type="datetimeFigureOut">
               <a:rPr lang="ko-KR" altLang="en-US" smtClean="0"/>
-              <a:t>2018-07-30</a:t>
+              <a:t>2018-08-02</a:t>
             </a:fld>
             <a:endParaRPr lang="ko-KR" altLang="en-US"/>
           </a:p>
@@ -1955,7 +1959,7 @@
           <a:p>
             <a:fld id="{617CF90F-2403-4C4E-9E74-BA152CDD151E}" type="datetimeFigureOut">
               <a:rPr lang="ko-KR" altLang="en-US" smtClean="0"/>
-              <a:t>2018-07-30</a:t>
+              <a:t>2018-08-02</a:t>
             </a:fld>
             <a:endParaRPr lang="ko-KR" altLang="en-US"/>
           </a:p>
@@ -2068,7 +2072,7 @@
           <a:p>
             <a:fld id="{617CF90F-2403-4C4E-9E74-BA152CDD151E}" type="datetimeFigureOut">
               <a:rPr lang="ko-KR" altLang="en-US" smtClean="0"/>
-              <a:t>2018-07-30</a:t>
+              <a:t>2018-08-02</a:t>
             </a:fld>
             <a:endParaRPr lang="ko-KR" altLang="en-US"/>
           </a:p>
@@ -2379,7 +2383,7 @@
           <a:p>
             <a:fld id="{617CF90F-2403-4C4E-9E74-BA152CDD151E}" type="datetimeFigureOut">
               <a:rPr lang="ko-KR" altLang="en-US" smtClean="0"/>
-              <a:t>2018-07-30</a:t>
+              <a:t>2018-08-02</a:t>
             </a:fld>
             <a:endParaRPr lang="ko-KR" altLang="en-US"/>
           </a:p>
@@ -2667,7 +2671,7 @@
           <a:p>
             <a:fld id="{617CF90F-2403-4C4E-9E74-BA152CDD151E}" type="datetimeFigureOut">
               <a:rPr lang="ko-KR" altLang="en-US" smtClean="0"/>
-              <a:t>2018-07-30</a:t>
+              <a:t>2018-08-02</a:t>
             </a:fld>
             <a:endParaRPr lang="ko-KR" altLang="en-US"/>
           </a:p>
@@ -2908,7 +2912,7 @@
           <a:p>
             <a:fld id="{617CF90F-2403-4C4E-9E74-BA152CDD151E}" type="datetimeFigureOut">
               <a:rPr lang="ko-KR" altLang="en-US" smtClean="0"/>
-              <a:t>2018-07-30</a:t>
+              <a:t>2018-08-02</a:t>
             </a:fld>
             <a:endParaRPr lang="ko-KR" altLang="en-US"/>
           </a:p>
@@ -3572,36 +3576,6 @@
 </p:sld>
 </file>
 
-<file path=ppt/slides/slide5.xml><?xml version="1.0" encoding="utf-8"?>
-<p:sld xmlns:a="http://schemas.openxmlformats.org/drawingml/2006/main" xmlns:r="http://schemas.openxmlformats.org/officeDocument/2006/relationships" xmlns:p="http://schemas.openxmlformats.org/presentationml/2006/main">
-  <p:cSld>
-    <p:spTree>
-      <p:nvGrpSpPr>
-        <p:cNvPr id="1" name=""/>
-        <p:cNvGrpSpPr/>
-        <p:nvPr/>
-      </p:nvGrpSpPr>
-      <p:grpSpPr>
-        <a:xfrm>
-          <a:off x="0" y="0"/>
-          <a:ext cx="0" cy="0"/>
-          <a:chOff x="0" y="0"/>
-          <a:chExt cx="0" cy="0"/>
-        </a:xfrm>
-      </p:grpSpPr>
-    </p:spTree>
-    <p:extLst>
-      <p:ext uri="{BB962C8B-B14F-4D97-AF65-F5344CB8AC3E}">
-        <p14:creationId xmlns:p14="http://schemas.microsoft.com/office/powerpoint/2010/main" val="4112884515"/>
-      </p:ext>
-    </p:extLst>
-  </p:cSld>
-  <p:clrMapOvr>
-    <a:masterClrMapping/>
-  </p:clrMapOvr>
-</p:sld>
-</file>
-
 <file path=ppt/theme/theme1.xml><?xml version="1.0" encoding="utf-8"?>
 <a:theme xmlns:a="http://schemas.openxmlformats.org/drawingml/2006/main" name="Office 테마">
   <a:themeElements>
